--- a/CBA_challenge.pptx
+++ b/CBA_challenge.pptx
@@ -16462,12 +16462,28 @@
               <a:t>, </a:t>
             </a:r>
             <a:r>
-              <a:rPr lang="en-AU" sz="1800" i="1" dirty="0">
+              <a:rPr lang="en-AU" sz="1800" i="1">
                 <a:solidFill>
                   <a:schemeClr val="tx1"/>
                 </a:solidFill>
               </a:rPr>
-              <a:t>22</a:t>
+              <a:t>20</a:t>
+            </a:r>
+            <a:r>
+              <a:rPr lang="vi" sz="1800" i="1">
+                <a:solidFill>
+                  <a:schemeClr val="tx1"/>
+                </a:solidFill>
+              </a:rPr>
+              <a:t>/</a:t>
+            </a:r>
+            <a:r>
+              <a:rPr lang="en-US" sz="1800" i="1" dirty="0">
+                <a:solidFill>
+                  <a:schemeClr val="tx1"/>
+                </a:solidFill>
+              </a:rPr>
+              <a:t>05</a:t>
             </a:r>
             <a:r>
               <a:rPr lang="vi" sz="1800" i="1" dirty="0">
@@ -16475,7 +16491,7 @@
                   <a:schemeClr val="tx1"/>
                 </a:solidFill>
               </a:rPr>
-              <a:t>/</a:t>
+              <a:t>/202</a:t>
             </a:r>
             <a:r>
               <a:rPr lang="en-US" sz="1800" i="1" dirty="0">
@@ -16483,23 +16499,7 @@
                   <a:schemeClr val="tx1"/>
                 </a:solidFill>
               </a:rPr>
-              <a:t>10</a:t>
-            </a:r>
-            <a:r>
-              <a:rPr lang="vi" sz="1800" i="1" dirty="0">
-                <a:solidFill>
-                  <a:schemeClr val="tx1"/>
-                </a:solidFill>
-              </a:rPr>
-              <a:t>/202</a:t>
-            </a:r>
-            <a:r>
-              <a:rPr lang="en-US" sz="1800" i="1" dirty="0">
-                <a:solidFill>
-                  <a:schemeClr val="tx1"/>
-                </a:solidFill>
-              </a:rPr>
-              <a:t>4</a:t>
+              <a:t>5</a:t>
             </a:r>
             <a:endParaRPr sz="1800" i="1" dirty="0">
               <a:solidFill>
